--- a/ppt/architecture.pptx
+++ b/ppt/architecture.pptx
@@ -3757,9 +3757,9 @@
           <p:nvPr/>
         </p:nvCxnSpPr>
         <p:spPr>
-          <a:xfrm>
-            <a:off x="2431665" y="5403084"/>
-            <a:ext cx="6356554" cy="32885"/>
+          <a:xfrm flipV="1">
+            <a:off x="2431665" y="5374441"/>
+            <a:ext cx="6356554" cy="28643"/>
           </a:xfrm>
           <a:prstGeom prst="line">
             <a:avLst/>
@@ -4573,7 +4573,7 @@
         </p:nvSpPr>
         <p:spPr>
           <a:xfrm>
-            <a:off x="8135869" y="4282141"/>
+            <a:off x="8159330" y="4361524"/>
             <a:ext cx="552436" cy="965556"/>
           </a:xfrm>
           <a:prstGeom prst="downArrow">

--- a/ppt/architecture.pptx
+++ b/ppt/architecture.pptx
@@ -6,6 +6,7 @@
   </p:sldMasterIdLst>
   <p:sldIdLst>
     <p:sldId id="256" r:id="rId2"/>
+    <p:sldId id="257" r:id="rId3"/>
   </p:sldIdLst>
   <p:sldSz cx="9144000" cy="6858000" type="screen4x3"/>
   <p:notesSz cx="6858000" cy="9144000"/>
@@ -288,7 +289,7 @@
           <a:p>
             <a:fld id="{85AF3CCE-7E36-5B48-820C-45A9D92F5599}" type="datetimeFigureOut">
               <a:rPr lang="en-US" smtClean="0"/>
-              <a:t>11/1/13</a:t>
+              <a:t>11/14/13</a:t>
             </a:fld>
             <a:endParaRPr lang="en-US"/>
           </a:p>
@@ -458,7 +459,7 @@
           <a:p>
             <a:fld id="{85AF3CCE-7E36-5B48-820C-45A9D92F5599}" type="datetimeFigureOut">
               <a:rPr lang="en-US" smtClean="0"/>
-              <a:t>11/1/13</a:t>
+              <a:t>11/14/13</a:t>
             </a:fld>
             <a:endParaRPr lang="en-US"/>
           </a:p>
@@ -638,7 +639,7 @@
           <a:p>
             <a:fld id="{85AF3CCE-7E36-5B48-820C-45A9D92F5599}" type="datetimeFigureOut">
               <a:rPr lang="en-US" smtClean="0"/>
-              <a:t>11/1/13</a:t>
+              <a:t>11/14/13</a:t>
             </a:fld>
             <a:endParaRPr lang="en-US"/>
           </a:p>
@@ -808,7 +809,7 @@
           <a:p>
             <a:fld id="{85AF3CCE-7E36-5B48-820C-45A9D92F5599}" type="datetimeFigureOut">
               <a:rPr lang="en-US" smtClean="0"/>
-              <a:t>11/1/13</a:t>
+              <a:t>11/14/13</a:t>
             </a:fld>
             <a:endParaRPr lang="en-US"/>
           </a:p>
@@ -1054,7 +1055,7 @@
           <a:p>
             <a:fld id="{85AF3CCE-7E36-5B48-820C-45A9D92F5599}" type="datetimeFigureOut">
               <a:rPr lang="en-US" smtClean="0"/>
-              <a:t>11/1/13</a:t>
+              <a:t>11/14/13</a:t>
             </a:fld>
             <a:endParaRPr lang="en-US"/>
           </a:p>
@@ -1342,7 +1343,7 @@
           <a:p>
             <a:fld id="{85AF3CCE-7E36-5B48-820C-45A9D92F5599}" type="datetimeFigureOut">
               <a:rPr lang="en-US" smtClean="0"/>
-              <a:t>11/1/13</a:t>
+              <a:t>11/14/13</a:t>
             </a:fld>
             <a:endParaRPr lang="en-US"/>
           </a:p>
@@ -1764,7 +1765,7 @@
           <a:p>
             <a:fld id="{85AF3CCE-7E36-5B48-820C-45A9D92F5599}" type="datetimeFigureOut">
               <a:rPr lang="en-US" smtClean="0"/>
-              <a:t>11/1/13</a:t>
+              <a:t>11/14/13</a:t>
             </a:fld>
             <a:endParaRPr lang="en-US"/>
           </a:p>
@@ -1882,7 +1883,7 @@
           <a:p>
             <a:fld id="{85AF3CCE-7E36-5B48-820C-45A9D92F5599}" type="datetimeFigureOut">
               <a:rPr lang="en-US" smtClean="0"/>
-              <a:t>11/1/13</a:t>
+              <a:t>11/14/13</a:t>
             </a:fld>
             <a:endParaRPr lang="en-US"/>
           </a:p>
@@ -1977,7 +1978,7 @@
           <a:p>
             <a:fld id="{85AF3CCE-7E36-5B48-820C-45A9D92F5599}" type="datetimeFigureOut">
               <a:rPr lang="en-US" smtClean="0"/>
-              <a:t>11/1/13</a:t>
+              <a:t>11/14/13</a:t>
             </a:fld>
             <a:endParaRPr lang="en-US"/>
           </a:p>
@@ -2254,7 +2255,7 @@
           <a:p>
             <a:fld id="{85AF3CCE-7E36-5B48-820C-45A9D92F5599}" type="datetimeFigureOut">
               <a:rPr lang="en-US" smtClean="0"/>
-              <a:t>11/1/13</a:t>
+              <a:t>11/14/13</a:t>
             </a:fld>
             <a:endParaRPr lang="en-US"/>
           </a:p>
@@ -2507,7 +2508,7 @@
           <a:p>
             <a:fld id="{85AF3CCE-7E36-5B48-820C-45A9D92F5599}" type="datetimeFigureOut">
               <a:rPr lang="en-US" smtClean="0"/>
-              <a:t>11/1/13</a:t>
+              <a:t>11/14/13</a:t>
             </a:fld>
             <a:endParaRPr lang="en-US"/>
           </a:p>
@@ -2720,7 +2721,7 @@
           <a:p>
             <a:fld id="{85AF3CCE-7E36-5B48-820C-45A9D92F5599}" type="datetimeFigureOut">
               <a:rPr lang="en-US" smtClean="0"/>
-              <a:t>11/1/13</a:t>
+              <a:t>11/14/13</a:t>
             </a:fld>
             <a:endParaRPr lang="en-US"/>
           </a:p>
@@ -4807,6 +4808,1744 @@
     <p:extLst>
       <p:ext uri="{BB962C8B-B14F-4D97-AF65-F5344CB8AC3E}">
         <p14:creationId xmlns:p14="http://schemas.microsoft.com/office/powerpoint/2010/main" val="2717852528"/>
+      </p:ext>
+    </p:extLst>
+  </p:cSld>
+  <p:clrMapOvr>
+    <a:masterClrMapping/>
+  </p:clrMapOvr>
+</p:sld>
+</file>
+
+<file path=ppt/slides/slide2.xml><?xml version="1.0" encoding="utf-8"?>
+<p:sld xmlns:a="http://schemas.openxmlformats.org/drawingml/2006/main" xmlns:r="http://schemas.openxmlformats.org/officeDocument/2006/relationships" xmlns:p="http://schemas.openxmlformats.org/presentationml/2006/main">
+  <p:cSld>
+    <p:spTree>
+      <p:nvGrpSpPr>
+        <p:cNvPr id="1" name=""/>
+        <p:cNvGrpSpPr/>
+        <p:nvPr/>
+      </p:nvGrpSpPr>
+      <p:grpSpPr>
+        <a:xfrm>
+          <a:off x="0" y="0"/>
+          <a:ext cx="0" cy="0"/>
+          <a:chOff x="0" y="0"/>
+          <a:chExt cx="0" cy="0"/>
+        </a:xfrm>
+      </p:grpSpPr>
+      <p:pic>
+        <p:nvPicPr>
+          <p:cNvPr id="4" name="Picture 3" descr="13438417961910789838Linux Server Final.svg.hi.png"/>
+          <p:cNvPicPr>
+            <a:picLocks noChangeAspect="1"/>
+          </p:cNvPicPr>
+          <p:nvPr/>
+        </p:nvPicPr>
+        <p:blipFill>
+          <a:blip r:embed="rId2">
+            <a:extLst>
+              <a:ext uri="{28A0092B-C50C-407E-A947-70E740481C1C}">
+                <a14:useLocalDpi xmlns:a14="http://schemas.microsoft.com/office/drawing/2010/main" val="0"/>
+              </a:ext>
+            </a:extLst>
+          </a:blip>
+          <a:stretch>
+            <a:fillRect/>
+          </a:stretch>
+        </p:blipFill>
+        <p:spPr>
+          <a:xfrm>
+            <a:off x="4171250" y="88299"/>
+            <a:ext cx="743951" cy="1146925"/>
+          </a:xfrm>
+          <a:prstGeom prst="rect">
+            <a:avLst/>
+          </a:prstGeom>
+        </p:spPr>
+      </p:pic>
+      <p:sp>
+        <p:nvSpPr>
+          <p:cNvPr id="7" name="Magnetic Disk 6"/>
+          <p:cNvSpPr/>
+          <p:nvPr/>
+        </p:nvSpPr>
+        <p:spPr>
+          <a:xfrm>
+            <a:off x="521623" y="2742180"/>
+            <a:ext cx="630186" cy="468181"/>
+          </a:xfrm>
+          <a:prstGeom prst="flowChartMagneticDisk">
+            <a:avLst/>
+          </a:prstGeom>
+          <a:ln/>
+        </p:spPr>
+        <p:style>
+          <a:lnRef idx="1">
+            <a:schemeClr val="accent1"/>
+          </a:lnRef>
+          <a:fillRef idx="3">
+            <a:schemeClr val="accent1"/>
+          </a:fillRef>
+          <a:effectRef idx="2">
+            <a:schemeClr val="accent1"/>
+          </a:effectRef>
+          <a:fontRef idx="minor">
+            <a:schemeClr val="lt1"/>
+          </a:fontRef>
+        </p:style>
+        <p:txBody>
+          <a:bodyPr/>
+          <a:lstStyle/>
+          <a:p>
+            <a:endParaRPr lang="en-US"/>
+          </a:p>
+        </p:txBody>
+      </p:sp>
+      <p:sp>
+        <p:nvSpPr>
+          <p:cNvPr id="9" name="Magnetic Disk 8"/>
+          <p:cNvSpPr/>
+          <p:nvPr/>
+        </p:nvSpPr>
+        <p:spPr>
+          <a:xfrm>
+            <a:off x="519206" y="3813960"/>
+            <a:ext cx="630186" cy="468181"/>
+          </a:xfrm>
+          <a:prstGeom prst="flowChartMagneticDisk">
+            <a:avLst/>
+          </a:prstGeom>
+          <a:ln/>
+        </p:spPr>
+        <p:style>
+          <a:lnRef idx="1">
+            <a:schemeClr val="accent1"/>
+          </a:lnRef>
+          <a:fillRef idx="3">
+            <a:schemeClr val="accent1"/>
+          </a:fillRef>
+          <a:effectRef idx="2">
+            <a:schemeClr val="accent1"/>
+          </a:effectRef>
+          <a:fontRef idx="minor">
+            <a:schemeClr val="lt1"/>
+          </a:fontRef>
+        </p:style>
+        <p:txBody>
+          <a:bodyPr/>
+          <a:lstStyle/>
+          <a:p>
+            <a:endParaRPr lang="en-US"/>
+          </a:p>
+        </p:txBody>
+      </p:sp>
+      <p:sp>
+        <p:nvSpPr>
+          <p:cNvPr id="10" name="Magnetic Disk 9"/>
+          <p:cNvSpPr/>
+          <p:nvPr/>
+        </p:nvSpPr>
+        <p:spPr>
+          <a:xfrm>
+            <a:off x="521623" y="3261522"/>
+            <a:ext cx="630186" cy="468181"/>
+          </a:xfrm>
+          <a:prstGeom prst="flowChartMagneticDisk">
+            <a:avLst/>
+          </a:prstGeom>
+          <a:ln/>
+        </p:spPr>
+        <p:style>
+          <a:lnRef idx="1">
+            <a:schemeClr val="accent1"/>
+          </a:lnRef>
+          <a:fillRef idx="3">
+            <a:schemeClr val="accent1"/>
+          </a:fillRef>
+          <a:effectRef idx="2">
+            <a:schemeClr val="accent1"/>
+          </a:effectRef>
+          <a:fontRef idx="minor">
+            <a:schemeClr val="lt1"/>
+          </a:fontRef>
+        </p:style>
+        <p:txBody>
+          <a:bodyPr/>
+          <a:lstStyle/>
+          <a:p>
+            <a:endParaRPr lang="en-US"/>
+          </a:p>
+        </p:txBody>
+      </p:sp>
+      <p:sp>
+        <p:nvSpPr>
+          <p:cNvPr id="13" name="Magnetic Disk 12"/>
+          <p:cNvSpPr/>
+          <p:nvPr/>
+        </p:nvSpPr>
+        <p:spPr>
+          <a:xfrm>
+            <a:off x="508913" y="4909086"/>
+            <a:ext cx="630186" cy="468181"/>
+          </a:xfrm>
+          <a:prstGeom prst="flowChartMagneticDisk">
+            <a:avLst/>
+          </a:prstGeom>
+          <a:ln/>
+        </p:spPr>
+        <p:style>
+          <a:lnRef idx="1">
+            <a:schemeClr val="accent1"/>
+          </a:lnRef>
+          <a:fillRef idx="3">
+            <a:schemeClr val="accent1"/>
+          </a:fillRef>
+          <a:effectRef idx="2">
+            <a:schemeClr val="accent1"/>
+          </a:effectRef>
+          <a:fontRef idx="minor">
+            <a:schemeClr val="lt1"/>
+          </a:fontRef>
+        </p:style>
+        <p:txBody>
+          <a:bodyPr/>
+          <a:lstStyle/>
+          <a:p>
+            <a:endParaRPr lang="en-US"/>
+          </a:p>
+        </p:txBody>
+      </p:sp>
+      <p:sp>
+        <p:nvSpPr>
+          <p:cNvPr id="15" name="Magnetic Disk 14"/>
+          <p:cNvSpPr/>
+          <p:nvPr/>
+        </p:nvSpPr>
+        <p:spPr>
+          <a:xfrm>
+            <a:off x="508913" y="4361523"/>
+            <a:ext cx="630186" cy="468181"/>
+          </a:xfrm>
+          <a:prstGeom prst="flowChartMagneticDisk">
+            <a:avLst/>
+          </a:prstGeom>
+          <a:ln/>
+        </p:spPr>
+        <p:style>
+          <a:lnRef idx="1">
+            <a:schemeClr val="accent1"/>
+          </a:lnRef>
+          <a:fillRef idx="3">
+            <a:schemeClr val="accent1"/>
+          </a:fillRef>
+          <a:effectRef idx="2">
+            <a:schemeClr val="accent1"/>
+          </a:effectRef>
+          <a:fontRef idx="minor">
+            <a:schemeClr val="lt1"/>
+          </a:fontRef>
+        </p:style>
+        <p:txBody>
+          <a:bodyPr/>
+          <a:lstStyle/>
+          <a:p>
+            <a:endParaRPr lang="en-US"/>
+          </a:p>
+        </p:txBody>
+      </p:sp>
+      <p:sp>
+        <p:nvSpPr>
+          <p:cNvPr id="18" name="Cloud 17"/>
+          <p:cNvSpPr/>
+          <p:nvPr/>
+        </p:nvSpPr>
+        <p:spPr>
+          <a:xfrm>
+            <a:off x="143951" y="2251984"/>
+            <a:ext cx="1428796" cy="3549490"/>
+          </a:xfrm>
+          <a:prstGeom prst="cloud">
+            <a:avLst/>
+          </a:prstGeom>
+          <a:noFill/>
+        </p:spPr>
+        <p:style>
+          <a:lnRef idx="1">
+            <a:schemeClr val="accent1"/>
+          </a:lnRef>
+          <a:fillRef idx="3">
+            <a:schemeClr val="accent1"/>
+          </a:fillRef>
+          <a:effectRef idx="2">
+            <a:schemeClr val="accent1"/>
+          </a:effectRef>
+          <a:fontRef idx="minor">
+            <a:schemeClr val="lt1"/>
+          </a:fontRef>
+        </p:style>
+        <p:txBody>
+          <a:bodyPr rtlCol="0" anchor="ctr"/>
+          <a:lstStyle/>
+          <a:p>
+            <a:pPr algn="ctr"/>
+            <a:endParaRPr lang="en-US"/>
+          </a:p>
+        </p:txBody>
+      </p:sp>
+      <p:pic>
+        <p:nvPicPr>
+          <p:cNvPr id="21" name="Picture 20" descr="13438417961910789838Linux Server Final.svg.hi.png"/>
+          <p:cNvPicPr>
+            <a:picLocks noChangeAspect="1"/>
+          </p:cNvPicPr>
+          <p:nvPr/>
+        </p:nvPicPr>
+        <p:blipFill>
+          <a:blip r:embed="rId2">
+            <a:extLst>
+              <a:ext uri="{28A0092B-C50C-407E-A947-70E740481C1C}">
+                <a14:useLocalDpi xmlns:a14="http://schemas.microsoft.com/office/drawing/2010/main" val="0"/>
+              </a:ext>
+            </a:extLst>
+          </a:blip>
+          <a:stretch>
+            <a:fillRect/>
+          </a:stretch>
+        </p:blipFill>
+        <p:spPr>
+          <a:xfrm>
+            <a:off x="5663640" y="88299"/>
+            <a:ext cx="743951" cy="1146925"/>
+          </a:xfrm>
+          <a:prstGeom prst="rect">
+            <a:avLst/>
+          </a:prstGeom>
+        </p:spPr>
+      </p:pic>
+      <p:sp>
+        <p:nvSpPr>
+          <p:cNvPr id="22" name="Magnetic Disk 21"/>
+          <p:cNvSpPr/>
+          <p:nvPr/>
+        </p:nvSpPr>
+        <p:spPr>
+          <a:xfrm>
+            <a:off x="2769806" y="2596362"/>
+            <a:ext cx="999936" cy="1075422"/>
+          </a:xfrm>
+          <a:prstGeom prst="flowChartMagneticDisk">
+            <a:avLst/>
+          </a:prstGeom>
+          <a:ln/>
+        </p:spPr>
+        <p:style>
+          <a:lnRef idx="1">
+            <a:schemeClr val="accent1"/>
+          </a:lnRef>
+          <a:fillRef idx="3">
+            <a:schemeClr val="accent1"/>
+          </a:fillRef>
+          <a:effectRef idx="2">
+            <a:schemeClr val="accent1"/>
+          </a:effectRef>
+          <a:fontRef idx="minor">
+            <a:schemeClr val="lt1"/>
+          </a:fontRef>
+        </p:style>
+        <p:txBody>
+          <a:bodyPr/>
+          <a:lstStyle/>
+          <a:p>
+            <a:endParaRPr lang="en-US"/>
+          </a:p>
+        </p:txBody>
+      </p:sp>
+      <p:sp>
+        <p:nvSpPr>
+          <p:cNvPr id="23" name="TextBox 22"/>
+          <p:cNvSpPr txBox="1"/>
+          <p:nvPr/>
+        </p:nvSpPr>
+        <p:spPr>
+          <a:xfrm>
+            <a:off x="2769806" y="3139192"/>
+            <a:ext cx="999935" cy="307777"/>
+          </a:xfrm>
+          <a:prstGeom prst="rect">
+            <a:avLst/>
+          </a:prstGeom>
+          <a:ln/>
+        </p:spPr>
+        <p:style>
+          <a:lnRef idx="1">
+            <a:schemeClr val="accent2"/>
+          </a:lnRef>
+          <a:fillRef idx="3">
+            <a:schemeClr val="accent2"/>
+          </a:fillRef>
+          <a:effectRef idx="2">
+            <a:schemeClr val="accent2"/>
+          </a:effectRef>
+          <a:fontRef idx="minor">
+            <a:schemeClr val="lt1"/>
+          </a:fontRef>
+        </p:style>
+        <p:txBody>
+          <a:bodyPr wrap="square" rtlCol="0">
+            <a:spAutoFit/>
+          </a:bodyPr>
+          <a:lstStyle/>
+          <a:p>
+            <a:r>
+              <a:rPr lang="en-US" sz="1400" dirty="0" smtClean="0">
+                <a:latin typeface="Times"/>
+                <a:cs typeface="Times"/>
+              </a:rPr>
+              <a:t>DW master</a:t>
+            </a:r>
+            <a:endParaRPr lang="en-US" sz="1400" dirty="0">
+              <a:latin typeface="Times"/>
+              <a:cs typeface="Times"/>
+            </a:endParaRPr>
+          </a:p>
+        </p:txBody>
+      </p:sp>
+      <p:sp>
+        <p:nvSpPr>
+          <p:cNvPr id="27" name="Magnetic Disk 26"/>
+          <p:cNvSpPr/>
+          <p:nvPr/>
+        </p:nvSpPr>
+        <p:spPr>
+          <a:xfrm>
+            <a:off x="2084963" y="4054519"/>
+            <a:ext cx="999936" cy="1075422"/>
+          </a:xfrm>
+          <a:prstGeom prst="flowChartMagneticDisk">
+            <a:avLst/>
+          </a:prstGeom>
+          <a:ln/>
+        </p:spPr>
+        <p:style>
+          <a:lnRef idx="1">
+            <a:schemeClr val="accent1"/>
+          </a:lnRef>
+          <a:fillRef idx="3">
+            <a:schemeClr val="accent1"/>
+          </a:fillRef>
+          <a:effectRef idx="2">
+            <a:schemeClr val="accent1"/>
+          </a:effectRef>
+          <a:fontRef idx="minor">
+            <a:schemeClr val="lt1"/>
+          </a:fontRef>
+        </p:style>
+        <p:txBody>
+          <a:bodyPr/>
+          <a:lstStyle/>
+          <a:p>
+            <a:endParaRPr lang="en-US"/>
+          </a:p>
+        </p:txBody>
+      </p:sp>
+      <p:sp>
+        <p:nvSpPr>
+          <p:cNvPr id="28" name="TextBox 27"/>
+          <p:cNvSpPr txBox="1"/>
+          <p:nvPr/>
+        </p:nvSpPr>
+        <p:spPr>
+          <a:xfrm>
+            <a:off x="2078607" y="4559379"/>
+            <a:ext cx="999935" cy="307777"/>
+          </a:xfrm>
+          <a:prstGeom prst="rect">
+            <a:avLst/>
+          </a:prstGeom>
+          <a:ln/>
+        </p:spPr>
+        <p:style>
+          <a:lnRef idx="1">
+            <a:schemeClr val="accent2"/>
+          </a:lnRef>
+          <a:fillRef idx="3">
+            <a:schemeClr val="accent2"/>
+          </a:fillRef>
+          <a:effectRef idx="2">
+            <a:schemeClr val="accent2"/>
+          </a:effectRef>
+          <a:fontRef idx="minor">
+            <a:schemeClr val="lt1"/>
+          </a:fontRef>
+        </p:style>
+        <p:txBody>
+          <a:bodyPr wrap="square" rtlCol="0">
+            <a:spAutoFit/>
+          </a:bodyPr>
+          <a:lstStyle/>
+          <a:p>
+            <a:r>
+              <a:rPr lang="en-US" sz="1400" dirty="0" smtClean="0">
+                <a:latin typeface="Times"/>
+                <a:cs typeface="Times"/>
+              </a:rPr>
+              <a:t>DW slave</a:t>
+            </a:r>
+            <a:endParaRPr lang="en-US" sz="1400" dirty="0">
+              <a:latin typeface="Times"/>
+              <a:cs typeface="Times"/>
+            </a:endParaRPr>
+          </a:p>
+        </p:txBody>
+      </p:sp>
+      <p:sp>
+        <p:nvSpPr>
+          <p:cNvPr id="29" name="Magnetic Disk 28"/>
+          <p:cNvSpPr/>
+          <p:nvPr/>
+        </p:nvSpPr>
+        <p:spPr>
+          <a:xfrm>
+            <a:off x="3353289" y="4032352"/>
+            <a:ext cx="999936" cy="1075422"/>
+          </a:xfrm>
+          <a:prstGeom prst="flowChartMagneticDisk">
+            <a:avLst/>
+          </a:prstGeom>
+          <a:ln/>
+        </p:spPr>
+        <p:style>
+          <a:lnRef idx="1">
+            <a:schemeClr val="accent1"/>
+          </a:lnRef>
+          <a:fillRef idx="3">
+            <a:schemeClr val="accent1"/>
+          </a:fillRef>
+          <a:effectRef idx="2">
+            <a:schemeClr val="accent1"/>
+          </a:effectRef>
+          <a:fontRef idx="minor">
+            <a:schemeClr val="lt1"/>
+          </a:fontRef>
+        </p:style>
+        <p:txBody>
+          <a:bodyPr/>
+          <a:lstStyle/>
+          <a:p>
+            <a:endParaRPr lang="en-US"/>
+          </a:p>
+        </p:txBody>
+      </p:sp>
+      <p:sp>
+        <p:nvSpPr>
+          <p:cNvPr id="30" name="TextBox 29"/>
+          <p:cNvSpPr txBox="1"/>
+          <p:nvPr/>
+        </p:nvSpPr>
+        <p:spPr>
+          <a:xfrm>
+            <a:off x="3353289" y="4575182"/>
+            <a:ext cx="999935" cy="307777"/>
+          </a:xfrm>
+          <a:prstGeom prst="rect">
+            <a:avLst/>
+          </a:prstGeom>
+          <a:ln/>
+        </p:spPr>
+        <p:style>
+          <a:lnRef idx="1">
+            <a:schemeClr val="accent2"/>
+          </a:lnRef>
+          <a:fillRef idx="3">
+            <a:schemeClr val="accent2"/>
+          </a:fillRef>
+          <a:effectRef idx="2">
+            <a:schemeClr val="accent2"/>
+          </a:effectRef>
+          <a:fontRef idx="minor">
+            <a:schemeClr val="lt1"/>
+          </a:fontRef>
+        </p:style>
+        <p:txBody>
+          <a:bodyPr wrap="square" rtlCol="0">
+            <a:spAutoFit/>
+          </a:bodyPr>
+          <a:lstStyle/>
+          <a:p>
+            <a:r>
+              <a:rPr lang="en-US" sz="1400" dirty="0" smtClean="0">
+                <a:latin typeface="Times"/>
+                <a:cs typeface="Times"/>
+              </a:rPr>
+              <a:t>DW slave</a:t>
+            </a:r>
+            <a:endParaRPr lang="en-US" sz="1400" dirty="0">
+              <a:latin typeface="Times"/>
+              <a:cs typeface="Times"/>
+            </a:endParaRPr>
+          </a:p>
+        </p:txBody>
+      </p:sp>
+      <p:cxnSp>
+        <p:nvCxnSpPr>
+          <p:cNvPr id="33" name="Straight Arrow Connector 32"/>
+          <p:cNvCxnSpPr>
+            <a:stCxn id="22" idx="3"/>
+            <a:endCxn id="27" idx="1"/>
+          </p:cNvCxnSpPr>
+          <p:nvPr/>
+        </p:nvCxnSpPr>
+        <p:spPr>
+          <a:xfrm flipH="1">
+            <a:off x="2584931" y="3671784"/>
+            <a:ext cx="684843" cy="382735"/>
+          </a:xfrm>
+          <a:prstGeom prst="straightConnector1">
+            <a:avLst/>
+          </a:prstGeom>
+          <a:ln>
+            <a:tailEnd type="arrow"/>
+          </a:ln>
+        </p:spPr>
+        <p:style>
+          <a:lnRef idx="2">
+            <a:schemeClr val="accent1"/>
+          </a:lnRef>
+          <a:fillRef idx="0">
+            <a:schemeClr val="accent1"/>
+          </a:fillRef>
+          <a:effectRef idx="1">
+            <a:schemeClr val="accent1"/>
+          </a:effectRef>
+          <a:fontRef idx="minor">
+            <a:schemeClr val="tx1"/>
+          </a:fontRef>
+        </p:style>
+      </p:cxnSp>
+      <p:cxnSp>
+        <p:nvCxnSpPr>
+          <p:cNvPr id="34" name="Straight Arrow Connector 33"/>
+          <p:cNvCxnSpPr>
+            <a:stCxn id="22" idx="3"/>
+            <a:endCxn id="29" idx="1"/>
+          </p:cNvCxnSpPr>
+          <p:nvPr/>
+        </p:nvCxnSpPr>
+        <p:spPr>
+          <a:xfrm>
+            <a:off x="3269774" y="3671784"/>
+            <a:ext cx="583483" cy="360568"/>
+          </a:xfrm>
+          <a:prstGeom prst="straightConnector1">
+            <a:avLst/>
+          </a:prstGeom>
+          <a:ln>
+            <a:tailEnd type="arrow"/>
+          </a:ln>
+        </p:spPr>
+        <p:style>
+          <a:lnRef idx="2">
+            <a:schemeClr val="accent1"/>
+          </a:lnRef>
+          <a:fillRef idx="0">
+            <a:schemeClr val="accent1"/>
+          </a:fillRef>
+          <a:effectRef idx="1">
+            <a:schemeClr val="accent1"/>
+          </a:effectRef>
+          <a:fontRef idx="minor">
+            <a:schemeClr val="tx1"/>
+          </a:fontRef>
+        </p:style>
+      </p:cxnSp>
+      <p:pic>
+        <p:nvPicPr>
+          <p:cNvPr id="37" name="Picture 36" descr="hive.png"/>
+          <p:cNvPicPr>
+            <a:picLocks noChangeAspect="1"/>
+          </p:cNvPicPr>
+          <p:nvPr/>
+        </p:nvPicPr>
+        <p:blipFill>
+          <a:blip r:embed="rId3">
+            <a:extLst>
+              <a:ext uri="{28A0092B-C50C-407E-A947-70E740481C1C}">
+                <a14:useLocalDpi xmlns:a14="http://schemas.microsoft.com/office/drawing/2010/main" val="0"/>
+              </a:ext>
+            </a:extLst>
+          </a:blip>
+          <a:stretch>
+            <a:fillRect/>
+          </a:stretch>
+        </p:blipFill>
+        <p:spPr>
+          <a:xfrm>
+            <a:off x="5162983" y="2319539"/>
+            <a:ext cx="1342170" cy="1883966"/>
+          </a:xfrm>
+          <a:prstGeom prst="rect">
+            <a:avLst/>
+          </a:prstGeom>
+        </p:spPr>
+      </p:pic>
+      <p:cxnSp>
+        <p:nvCxnSpPr>
+          <p:cNvPr id="42" name="Straight Connector 41"/>
+          <p:cNvCxnSpPr/>
+          <p:nvPr/>
+        </p:nvCxnSpPr>
+        <p:spPr>
+          <a:xfrm flipV="1">
+            <a:off x="2431665" y="5374441"/>
+            <a:ext cx="6356554" cy="28643"/>
+          </a:xfrm>
+          <a:prstGeom prst="line">
+            <a:avLst/>
+          </a:prstGeom>
+        </p:spPr>
+        <p:style>
+          <a:lnRef idx="2">
+            <a:schemeClr val="accent1"/>
+          </a:lnRef>
+          <a:fillRef idx="0">
+            <a:schemeClr val="accent1"/>
+          </a:fillRef>
+          <a:effectRef idx="1">
+            <a:schemeClr val="accent1"/>
+          </a:effectRef>
+          <a:fontRef idx="minor">
+            <a:schemeClr val="tx1"/>
+          </a:fontRef>
+        </p:style>
+      </p:cxnSp>
+      <p:pic>
+        <p:nvPicPr>
+          <p:cNvPr id="46" name="Picture 45" descr="mysql-workbench-logo-140px.png"/>
+          <p:cNvPicPr>
+            <a:picLocks noChangeAspect="1"/>
+          </p:cNvPicPr>
+          <p:nvPr/>
+        </p:nvPicPr>
+        <p:blipFill>
+          <a:blip r:embed="rId4">
+            <a:extLst>
+              <a:ext uri="{28A0092B-C50C-407E-A947-70E740481C1C}">
+                <a14:useLocalDpi xmlns:a14="http://schemas.microsoft.com/office/drawing/2010/main" val="0"/>
+              </a:ext>
+            </a:extLst>
+          </a:blip>
+          <a:stretch>
+            <a:fillRect/>
+          </a:stretch>
+        </p:blipFill>
+        <p:spPr>
+          <a:xfrm>
+            <a:off x="3769742" y="5637796"/>
+            <a:ext cx="752925" cy="742169"/>
+          </a:xfrm>
+          <a:prstGeom prst="rect">
+            <a:avLst/>
+          </a:prstGeom>
+        </p:spPr>
+      </p:pic>
+      <p:pic>
+        <p:nvPicPr>
+          <p:cNvPr id="47" name="Picture 46" descr="hbase_logo-3-300x91.png"/>
+          <p:cNvPicPr>
+            <a:picLocks noChangeAspect="1"/>
+          </p:cNvPicPr>
+          <p:nvPr/>
+        </p:nvPicPr>
+        <p:blipFill>
+          <a:blip r:embed="rId5">
+            <a:extLst>
+              <a:ext uri="{28A0092B-C50C-407E-A947-70E740481C1C}">
+                <a14:useLocalDpi xmlns:a14="http://schemas.microsoft.com/office/drawing/2010/main" val="0"/>
+              </a:ext>
+            </a:extLst>
+          </a:blip>
+          <a:stretch>
+            <a:fillRect/>
+          </a:stretch>
+        </p:blipFill>
+        <p:spPr>
+          <a:xfrm>
+            <a:off x="7395297" y="2976242"/>
+            <a:ext cx="1755458" cy="532489"/>
+          </a:xfrm>
+          <a:prstGeom prst="rect">
+            <a:avLst/>
+          </a:prstGeom>
+        </p:spPr>
+      </p:pic>
+      <p:pic>
+        <p:nvPicPr>
+          <p:cNvPr id="50" name="Picture 49"/>
+          <p:cNvPicPr>
+            <a:picLocks noChangeAspect="1"/>
+          </p:cNvPicPr>
+          <p:nvPr/>
+        </p:nvPicPr>
+        <p:blipFill>
+          <a:blip r:embed="rId6"/>
+          <a:stretch>
+            <a:fillRect/>
+          </a:stretch>
+        </p:blipFill>
+        <p:spPr>
+          <a:xfrm>
+            <a:off x="6505153" y="5648489"/>
+            <a:ext cx="725052" cy="725052"/>
+          </a:xfrm>
+          <a:prstGeom prst="rect">
+            <a:avLst/>
+          </a:prstGeom>
+        </p:spPr>
+      </p:pic>
+      <p:pic>
+        <p:nvPicPr>
+          <p:cNvPr id="52" name="Picture 51"/>
+          <p:cNvPicPr>
+            <a:picLocks noChangeAspect="1"/>
+          </p:cNvPicPr>
+          <p:nvPr/>
+        </p:nvPicPr>
+        <p:blipFill>
+          <a:blip r:embed="rId7"/>
+          <a:stretch>
+            <a:fillRect/>
+          </a:stretch>
+        </p:blipFill>
+        <p:spPr>
+          <a:xfrm>
+            <a:off x="5039960" y="5648883"/>
+            <a:ext cx="1009346" cy="826198"/>
+          </a:xfrm>
+          <a:prstGeom prst="rect">
+            <a:avLst/>
+          </a:prstGeom>
+        </p:spPr>
+      </p:pic>
+      <p:sp>
+        <p:nvSpPr>
+          <p:cNvPr id="54" name="Left-Right Arrow 53"/>
+          <p:cNvSpPr/>
+          <p:nvPr/>
+        </p:nvSpPr>
+        <p:spPr>
+          <a:xfrm>
+            <a:off x="4007875" y="3090188"/>
+            <a:ext cx="1026924" cy="171334"/>
+          </a:xfrm>
+          <a:prstGeom prst="leftRightArrow">
+            <a:avLst/>
+          </a:prstGeom>
+        </p:spPr>
+        <p:style>
+          <a:lnRef idx="1">
+            <a:schemeClr val="accent1"/>
+          </a:lnRef>
+          <a:fillRef idx="3">
+            <a:schemeClr val="accent1"/>
+          </a:fillRef>
+          <a:effectRef idx="2">
+            <a:schemeClr val="accent1"/>
+          </a:effectRef>
+          <a:fontRef idx="minor">
+            <a:schemeClr val="lt1"/>
+          </a:fontRef>
+        </p:style>
+        <p:txBody>
+          <a:bodyPr rtlCol="0" anchor="ctr"/>
+          <a:lstStyle/>
+          <a:p>
+            <a:pPr algn="ctr"/>
+            <a:endParaRPr lang="en-US"/>
+          </a:p>
+        </p:txBody>
+      </p:sp>
+      <p:sp>
+        <p:nvSpPr>
+          <p:cNvPr id="55" name="Left-Right Arrow 54"/>
+          <p:cNvSpPr/>
+          <p:nvPr/>
+        </p:nvSpPr>
+        <p:spPr>
+          <a:xfrm>
+            <a:off x="6368373" y="3139192"/>
+            <a:ext cx="1026924" cy="171334"/>
+          </a:xfrm>
+          <a:prstGeom prst="leftRightArrow">
+            <a:avLst/>
+          </a:prstGeom>
+        </p:spPr>
+        <p:style>
+          <a:lnRef idx="1">
+            <a:schemeClr val="accent1"/>
+          </a:lnRef>
+          <a:fillRef idx="3">
+            <a:schemeClr val="accent1"/>
+          </a:fillRef>
+          <a:effectRef idx="2">
+            <a:schemeClr val="accent1"/>
+          </a:effectRef>
+          <a:fontRef idx="minor">
+            <a:schemeClr val="lt1"/>
+          </a:fontRef>
+        </p:style>
+        <p:txBody>
+          <a:bodyPr rtlCol="0" anchor="ctr"/>
+          <a:lstStyle/>
+          <a:p>
+            <a:pPr algn="ctr"/>
+            <a:endParaRPr lang="en-US"/>
+          </a:p>
+        </p:txBody>
+      </p:sp>
+      <p:sp>
+        <p:nvSpPr>
+          <p:cNvPr id="56" name="Right Arrow 55"/>
+          <p:cNvSpPr/>
+          <p:nvPr/>
+        </p:nvSpPr>
+        <p:spPr>
+          <a:xfrm flipV="1">
+            <a:off x="1678266" y="3090189"/>
+            <a:ext cx="906665" cy="171333"/>
+          </a:xfrm>
+          <a:prstGeom prst="rightArrow">
+            <a:avLst/>
+          </a:prstGeom>
+        </p:spPr>
+        <p:style>
+          <a:lnRef idx="1">
+            <a:schemeClr val="accent1"/>
+          </a:lnRef>
+          <a:fillRef idx="3">
+            <a:schemeClr val="accent1"/>
+          </a:fillRef>
+          <a:effectRef idx="2">
+            <a:schemeClr val="accent1"/>
+          </a:effectRef>
+          <a:fontRef idx="minor">
+            <a:schemeClr val="lt1"/>
+          </a:fontRef>
+        </p:style>
+        <p:txBody>
+          <a:bodyPr rtlCol="0" anchor="ctr"/>
+          <a:lstStyle/>
+          <a:p>
+            <a:pPr algn="ctr"/>
+            <a:endParaRPr lang="en-US"/>
+          </a:p>
+        </p:txBody>
+      </p:sp>
+      <p:sp>
+        <p:nvSpPr>
+          <p:cNvPr id="57" name="Magnetic Disk 56"/>
+          <p:cNvSpPr/>
+          <p:nvPr/>
+        </p:nvSpPr>
+        <p:spPr>
+          <a:xfrm>
+            <a:off x="7916807" y="211048"/>
+            <a:ext cx="999936" cy="958847"/>
+          </a:xfrm>
+          <a:prstGeom prst="flowChartMagneticDisk">
+            <a:avLst/>
+          </a:prstGeom>
+          <a:ln/>
+        </p:spPr>
+        <p:style>
+          <a:lnRef idx="1">
+            <a:schemeClr val="accent1"/>
+          </a:lnRef>
+          <a:fillRef idx="3">
+            <a:schemeClr val="accent1"/>
+          </a:fillRef>
+          <a:effectRef idx="2">
+            <a:schemeClr val="accent1"/>
+          </a:effectRef>
+          <a:fontRef idx="minor">
+            <a:schemeClr val="lt1"/>
+          </a:fontRef>
+        </p:style>
+        <p:txBody>
+          <a:bodyPr/>
+          <a:lstStyle/>
+          <a:p>
+            <a:endParaRPr lang="en-US"/>
+          </a:p>
+        </p:txBody>
+      </p:sp>
+      <p:sp>
+        <p:nvSpPr>
+          <p:cNvPr id="58" name="TextBox 57"/>
+          <p:cNvSpPr txBox="1"/>
+          <p:nvPr/>
+        </p:nvSpPr>
+        <p:spPr>
+          <a:xfrm>
+            <a:off x="7916808" y="661762"/>
+            <a:ext cx="999935" cy="307777"/>
+          </a:xfrm>
+          <a:prstGeom prst="rect">
+            <a:avLst/>
+          </a:prstGeom>
+          <a:ln/>
+        </p:spPr>
+        <p:style>
+          <a:lnRef idx="1">
+            <a:schemeClr val="accent2"/>
+          </a:lnRef>
+          <a:fillRef idx="3">
+            <a:schemeClr val="accent2"/>
+          </a:fillRef>
+          <a:effectRef idx="2">
+            <a:schemeClr val="accent2"/>
+          </a:effectRef>
+          <a:fontRef idx="minor">
+            <a:schemeClr val="lt1"/>
+          </a:fontRef>
+        </p:style>
+        <p:txBody>
+          <a:bodyPr wrap="square" rtlCol="0">
+            <a:spAutoFit/>
+          </a:bodyPr>
+          <a:lstStyle/>
+          <a:p>
+            <a:r>
+              <a:rPr lang="en-US" sz="1400" dirty="0" smtClean="0">
+                <a:latin typeface="Times"/>
+                <a:cs typeface="Times"/>
+              </a:rPr>
+              <a:t>Web logs</a:t>
+            </a:r>
+            <a:endParaRPr lang="en-US" sz="1400" dirty="0">
+              <a:latin typeface="Times"/>
+              <a:cs typeface="Times"/>
+            </a:endParaRPr>
+          </a:p>
+        </p:txBody>
+      </p:sp>
+      <p:sp>
+        <p:nvSpPr>
+          <p:cNvPr id="59" name="TextBox 58"/>
+          <p:cNvSpPr txBox="1"/>
+          <p:nvPr/>
+        </p:nvSpPr>
+        <p:spPr>
+          <a:xfrm>
+            <a:off x="7881049" y="1765962"/>
+            <a:ext cx="1202002" cy="307777"/>
+          </a:xfrm>
+          <a:prstGeom prst="rect">
+            <a:avLst/>
+          </a:prstGeom>
+          <a:ln/>
+        </p:spPr>
+        <p:style>
+          <a:lnRef idx="1">
+            <a:schemeClr val="accent2"/>
+          </a:lnRef>
+          <a:fillRef idx="3">
+            <a:schemeClr val="accent2"/>
+          </a:fillRef>
+          <a:effectRef idx="2">
+            <a:schemeClr val="accent2"/>
+          </a:effectRef>
+          <a:fontRef idx="minor">
+            <a:schemeClr val="lt1"/>
+          </a:fontRef>
+        </p:style>
+        <p:txBody>
+          <a:bodyPr wrap="square" rtlCol="0">
+            <a:spAutoFit/>
+          </a:bodyPr>
+          <a:lstStyle/>
+          <a:p>
+            <a:r>
+              <a:rPr lang="en-US" sz="1400" dirty="0" smtClean="0">
+                <a:latin typeface="Times"/>
+                <a:cs typeface="Times"/>
+              </a:rPr>
+              <a:t>Apache Kafka</a:t>
+            </a:r>
+            <a:endParaRPr lang="en-US" sz="1400" dirty="0">
+              <a:latin typeface="Times"/>
+              <a:cs typeface="Times"/>
+            </a:endParaRPr>
+          </a:p>
+        </p:txBody>
+      </p:sp>
+      <p:sp>
+        <p:nvSpPr>
+          <p:cNvPr id="62" name="Down Arrow 61"/>
+          <p:cNvSpPr/>
+          <p:nvPr/>
+        </p:nvSpPr>
+        <p:spPr>
+          <a:xfrm>
+            <a:off x="8348921" y="1271667"/>
+            <a:ext cx="141670" cy="392523"/>
+          </a:xfrm>
+          <a:prstGeom prst="downArrow">
+            <a:avLst/>
+          </a:prstGeom>
+        </p:spPr>
+        <p:style>
+          <a:lnRef idx="1">
+            <a:schemeClr val="accent1"/>
+          </a:lnRef>
+          <a:fillRef idx="3">
+            <a:schemeClr val="accent1"/>
+          </a:fillRef>
+          <a:effectRef idx="2">
+            <a:schemeClr val="accent1"/>
+          </a:effectRef>
+          <a:fontRef idx="minor">
+            <a:schemeClr val="lt1"/>
+          </a:fontRef>
+        </p:style>
+        <p:txBody>
+          <a:bodyPr rtlCol="0" anchor="ctr"/>
+          <a:lstStyle/>
+          <a:p>
+            <a:pPr algn="ctr"/>
+            <a:endParaRPr lang="en-US"/>
+          </a:p>
+        </p:txBody>
+      </p:sp>
+      <p:sp>
+        <p:nvSpPr>
+          <p:cNvPr id="63" name="Down Arrow 62"/>
+          <p:cNvSpPr/>
+          <p:nvPr/>
+        </p:nvSpPr>
+        <p:spPr>
+          <a:xfrm>
+            <a:off x="8348311" y="2166996"/>
+            <a:ext cx="142280" cy="679400"/>
+          </a:xfrm>
+          <a:prstGeom prst="downArrow">
+            <a:avLst/>
+          </a:prstGeom>
+        </p:spPr>
+        <p:style>
+          <a:lnRef idx="1">
+            <a:schemeClr val="accent1"/>
+          </a:lnRef>
+          <a:fillRef idx="3">
+            <a:schemeClr val="accent1"/>
+          </a:fillRef>
+          <a:effectRef idx="2">
+            <a:schemeClr val="accent1"/>
+          </a:effectRef>
+          <a:fontRef idx="minor">
+            <a:schemeClr val="lt1"/>
+          </a:fontRef>
+        </p:style>
+        <p:txBody>
+          <a:bodyPr rtlCol="0" anchor="ctr"/>
+          <a:lstStyle/>
+          <a:p>
+            <a:pPr algn="ctr"/>
+            <a:endParaRPr lang="en-US"/>
+          </a:p>
+        </p:txBody>
+      </p:sp>
+      <p:sp>
+        <p:nvSpPr>
+          <p:cNvPr id="65" name="TextBox 64"/>
+          <p:cNvSpPr txBox="1"/>
+          <p:nvPr/>
+        </p:nvSpPr>
+        <p:spPr>
+          <a:xfrm>
+            <a:off x="143951" y="6072188"/>
+            <a:ext cx="1269478" cy="307777"/>
+          </a:xfrm>
+          <a:prstGeom prst="rect">
+            <a:avLst/>
+          </a:prstGeom>
+          <a:ln/>
+        </p:spPr>
+        <p:style>
+          <a:lnRef idx="1">
+            <a:schemeClr val="accent2"/>
+          </a:lnRef>
+          <a:fillRef idx="3">
+            <a:schemeClr val="accent2"/>
+          </a:fillRef>
+          <a:effectRef idx="2">
+            <a:schemeClr val="accent2"/>
+          </a:effectRef>
+          <a:fontRef idx="minor">
+            <a:schemeClr val="lt1"/>
+          </a:fontRef>
+        </p:style>
+        <p:txBody>
+          <a:bodyPr wrap="square" rtlCol="0">
+            <a:spAutoFit/>
+          </a:bodyPr>
+          <a:lstStyle/>
+          <a:p>
+            <a:r>
+              <a:rPr lang="en-US" sz="1400" dirty="0" smtClean="0">
+                <a:latin typeface="Times"/>
+                <a:cs typeface="Times"/>
+              </a:rPr>
+              <a:t>Operation  DB</a:t>
+            </a:r>
+            <a:endParaRPr lang="en-US" sz="1400" dirty="0">
+              <a:latin typeface="Times"/>
+              <a:cs typeface="Times"/>
+            </a:endParaRPr>
+          </a:p>
+        </p:txBody>
+      </p:sp>
+      <p:sp>
+        <p:nvSpPr>
+          <p:cNvPr id="66" name="TextBox 65"/>
+          <p:cNvSpPr txBox="1"/>
+          <p:nvPr/>
+        </p:nvSpPr>
+        <p:spPr>
+          <a:xfrm>
+            <a:off x="2646612" y="321420"/>
+            <a:ext cx="1381524" cy="400110"/>
+          </a:xfrm>
+          <a:prstGeom prst="rect">
+            <a:avLst/>
+          </a:prstGeom>
+          <a:ln/>
+        </p:spPr>
+        <p:style>
+          <a:lnRef idx="1">
+            <a:schemeClr val="accent2"/>
+          </a:lnRef>
+          <a:fillRef idx="3">
+            <a:schemeClr val="accent2"/>
+          </a:fillRef>
+          <a:effectRef idx="2">
+            <a:schemeClr val="accent2"/>
+          </a:effectRef>
+          <a:fontRef idx="minor">
+            <a:schemeClr val="lt1"/>
+          </a:fontRef>
+        </p:style>
+        <p:txBody>
+          <a:bodyPr wrap="square" rtlCol="0">
+            <a:spAutoFit/>
+          </a:bodyPr>
+          <a:lstStyle/>
+          <a:p>
+            <a:r>
+              <a:rPr lang="en-US" sz="1000" dirty="0" smtClean="0">
+                <a:latin typeface="Times"/>
+                <a:cs typeface="Times"/>
+              </a:rPr>
+              <a:t>ETL production server runs </a:t>
+            </a:r>
+            <a:r>
+              <a:rPr lang="en-US" sz="1000" dirty="0" err="1" smtClean="0">
+                <a:latin typeface="Times"/>
+                <a:cs typeface="Times"/>
+              </a:rPr>
+              <a:t>Legoo</a:t>
+            </a:r>
+            <a:r>
+              <a:rPr lang="en-US" sz="1000" dirty="0" smtClean="0">
+                <a:latin typeface="Times"/>
+                <a:cs typeface="Times"/>
+              </a:rPr>
+              <a:t> </a:t>
+            </a:r>
+            <a:endParaRPr lang="en-US" sz="1000" dirty="0">
+              <a:latin typeface="Times"/>
+              <a:cs typeface="Times"/>
+            </a:endParaRPr>
+          </a:p>
+        </p:txBody>
+      </p:sp>
+      <p:cxnSp>
+        <p:nvCxnSpPr>
+          <p:cNvPr id="69" name="Straight Arrow Connector 68"/>
+          <p:cNvCxnSpPr/>
+          <p:nvPr/>
+        </p:nvCxnSpPr>
+        <p:spPr>
+          <a:xfrm flipH="1">
+            <a:off x="1304058" y="1271667"/>
+            <a:ext cx="3141080" cy="980317"/>
+          </a:xfrm>
+          <a:prstGeom prst="straightConnector1">
+            <a:avLst/>
+          </a:prstGeom>
+          <a:ln>
+            <a:tailEnd type="arrow"/>
+          </a:ln>
+        </p:spPr>
+        <p:style>
+          <a:lnRef idx="2">
+            <a:schemeClr val="accent1"/>
+          </a:lnRef>
+          <a:fillRef idx="0">
+            <a:schemeClr val="accent1"/>
+          </a:fillRef>
+          <a:effectRef idx="1">
+            <a:schemeClr val="accent1"/>
+          </a:effectRef>
+          <a:fontRef idx="minor">
+            <a:schemeClr val="tx1"/>
+          </a:fontRef>
+        </p:style>
+      </p:cxnSp>
+      <p:cxnSp>
+        <p:nvCxnSpPr>
+          <p:cNvPr id="71" name="Straight Arrow Connector 70"/>
+          <p:cNvCxnSpPr/>
+          <p:nvPr/>
+        </p:nvCxnSpPr>
+        <p:spPr>
+          <a:xfrm flipH="1">
+            <a:off x="3435910" y="1271667"/>
+            <a:ext cx="1009228" cy="1132717"/>
+          </a:xfrm>
+          <a:prstGeom prst="straightConnector1">
+            <a:avLst/>
+          </a:prstGeom>
+          <a:ln>
+            <a:tailEnd type="arrow"/>
+          </a:ln>
+        </p:spPr>
+        <p:style>
+          <a:lnRef idx="2">
+            <a:schemeClr val="accent1"/>
+          </a:lnRef>
+          <a:fillRef idx="0">
+            <a:schemeClr val="accent1"/>
+          </a:fillRef>
+          <a:effectRef idx="1">
+            <a:schemeClr val="accent1"/>
+          </a:effectRef>
+          <a:fontRef idx="minor">
+            <a:schemeClr val="tx1"/>
+          </a:fontRef>
+        </p:style>
+      </p:cxnSp>
+      <p:cxnSp>
+        <p:nvCxnSpPr>
+          <p:cNvPr id="74" name="Straight Arrow Connector 73"/>
+          <p:cNvCxnSpPr/>
+          <p:nvPr/>
+        </p:nvCxnSpPr>
+        <p:spPr>
+          <a:xfrm>
+            <a:off x="4445138" y="1271667"/>
+            <a:ext cx="975209" cy="1132717"/>
+          </a:xfrm>
+          <a:prstGeom prst="straightConnector1">
+            <a:avLst/>
+          </a:prstGeom>
+          <a:ln>
+            <a:tailEnd type="arrow"/>
+          </a:ln>
+        </p:spPr>
+        <p:style>
+          <a:lnRef idx="2">
+            <a:schemeClr val="accent1"/>
+          </a:lnRef>
+          <a:fillRef idx="0">
+            <a:schemeClr val="accent1"/>
+          </a:fillRef>
+          <a:effectRef idx="1">
+            <a:schemeClr val="accent1"/>
+          </a:effectRef>
+          <a:fontRef idx="minor">
+            <a:schemeClr val="tx1"/>
+          </a:fontRef>
+        </p:style>
+      </p:cxnSp>
+      <p:cxnSp>
+        <p:nvCxnSpPr>
+          <p:cNvPr id="78" name="Straight Arrow Connector 77"/>
+          <p:cNvCxnSpPr>
+            <a:endCxn id="59" idx="1"/>
+          </p:cNvCxnSpPr>
+          <p:nvPr/>
+        </p:nvCxnSpPr>
+        <p:spPr>
+          <a:xfrm>
+            <a:off x="4445138" y="1271667"/>
+            <a:ext cx="3435911" cy="648184"/>
+          </a:xfrm>
+          <a:prstGeom prst="straightConnector1">
+            <a:avLst/>
+          </a:prstGeom>
+          <a:ln>
+            <a:tailEnd type="arrow"/>
+          </a:ln>
+        </p:spPr>
+        <p:style>
+          <a:lnRef idx="2">
+            <a:schemeClr val="accent1"/>
+          </a:lnRef>
+          <a:fillRef idx="0">
+            <a:schemeClr val="accent1"/>
+          </a:fillRef>
+          <a:effectRef idx="1">
+            <a:schemeClr val="accent1"/>
+          </a:effectRef>
+          <a:fontRef idx="minor">
+            <a:schemeClr val="tx1"/>
+          </a:fontRef>
+        </p:style>
+      </p:cxnSp>
+      <p:cxnSp>
+        <p:nvCxnSpPr>
+          <p:cNvPr id="82" name="Straight Arrow Connector 81"/>
+          <p:cNvCxnSpPr/>
+          <p:nvPr/>
+        </p:nvCxnSpPr>
+        <p:spPr>
+          <a:xfrm>
+            <a:off x="4486528" y="1302865"/>
+            <a:ext cx="2908769" cy="1191984"/>
+          </a:xfrm>
+          <a:prstGeom prst="straightConnector1">
+            <a:avLst/>
+          </a:prstGeom>
+          <a:ln>
+            <a:tailEnd type="arrow"/>
+          </a:ln>
+        </p:spPr>
+        <p:style>
+          <a:lnRef idx="2">
+            <a:schemeClr val="accent1"/>
+          </a:lnRef>
+          <a:fillRef idx="0">
+            <a:schemeClr val="accent1"/>
+          </a:fillRef>
+          <a:effectRef idx="1">
+            <a:schemeClr val="accent1"/>
+          </a:effectRef>
+          <a:fontRef idx="minor">
+            <a:schemeClr val="tx1"/>
+          </a:fontRef>
+        </p:style>
+      </p:cxnSp>
+      <p:sp>
+        <p:nvSpPr>
+          <p:cNvPr id="91" name="Down Arrow 90"/>
+          <p:cNvSpPr/>
+          <p:nvPr/>
+        </p:nvSpPr>
+        <p:spPr>
+          <a:xfrm>
+            <a:off x="5723874" y="4361524"/>
+            <a:ext cx="552436" cy="965556"/>
+          </a:xfrm>
+          <a:prstGeom prst="downArrow">
+            <a:avLst/>
+          </a:prstGeom>
+        </p:spPr>
+        <p:style>
+          <a:lnRef idx="1">
+            <a:schemeClr val="accent1"/>
+          </a:lnRef>
+          <a:fillRef idx="3">
+            <a:schemeClr val="accent1"/>
+          </a:fillRef>
+          <a:effectRef idx="2">
+            <a:schemeClr val="accent1"/>
+          </a:effectRef>
+          <a:fontRef idx="minor">
+            <a:schemeClr val="lt1"/>
+          </a:fontRef>
+        </p:style>
+        <p:txBody>
+          <a:bodyPr rtlCol="0" anchor="ctr"/>
+          <a:lstStyle/>
+          <a:p>
+            <a:pPr algn="ctr"/>
+            <a:endParaRPr lang="en-US"/>
+          </a:p>
+        </p:txBody>
+      </p:sp>
+      <p:sp>
+        <p:nvSpPr>
+          <p:cNvPr id="92" name="Down Arrow 91"/>
+          <p:cNvSpPr/>
+          <p:nvPr/>
+        </p:nvSpPr>
+        <p:spPr>
+          <a:xfrm>
+            <a:off x="8159330" y="4361524"/>
+            <a:ext cx="552436" cy="965556"/>
+          </a:xfrm>
+          <a:prstGeom prst="downArrow">
+            <a:avLst/>
+          </a:prstGeom>
+        </p:spPr>
+        <p:style>
+          <a:lnRef idx="1">
+            <a:schemeClr val="accent1"/>
+          </a:lnRef>
+          <a:fillRef idx="3">
+            <a:schemeClr val="accent1"/>
+          </a:fillRef>
+          <a:effectRef idx="2">
+            <a:schemeClr val="accent1"/>
+          </a:effectRef>
+          <a:fontRef idx="minor">
+            <a:schemeClr val="lt1"/>
+          </a:fontRef>
+        </p:style>
+        <p:txBody>
+          <a:bodyPr rtlCol="0" anchor="ctr"/>
+          <a:lstStyle/>
+          <a:p>
+            <a:pPr algn="ctr"/>
+            <a:endParaRPr lang="en-US"/>
+          </a:p>
+        </p:txBody>
+      </p:sp>
+      <p:pic>
+        <p:nvPicPr>
+          <p:cNvPr id="93" name="Picture 92"/>
+          <p:cNvPicPr>
+            <a:picLocks noChangeAspect="1"/>
+          </p:cNvPicPr>
+          <p:nvPr/>
+        </p:nvPicPr>
+        <p:blipFill>
+          <a:blip r:embed="rId8"/>
+          <a:stretch>
+            <a:fillRect/>
+          </a:stretch>
+        </p:blipFill>
+        <p:spPr>
+          <a:xfrm>
+            <a:off x="7670162" y="5618295"/>
+            <a:ext cx="856786" cy="856786"/>
+          </a:xfrm>
+          <a:prstGeom prst="rect">
+            <a:avLst/>
+          </a:prstGeom>
+        </p:spPr>
+      </p:pic>
+      <p:sp>
+        <p:nvSpPr>
+          <p:cNvPr id="94" name="Down Arrow 93"/>
+          <p:cNvSpPr/>
+          <p:nvPr/>
+        </p:nvSpPr>
+        <p:spPr>
+          <a:xfrm>
+            <a:off x="3800612" y="5092741"/>
+            <a:ext cx="143320" cy="284526"/>
+          </a:xfrm>
+          <a:prstGeom prst="downArrow">
+            <a:avLst/>
+          </a:prstGeom>
+        </p:spPr>
+        <p:style>
+          <a:lnRef idx="1">
+            <a:schemeClr val="accent1"/>
+          </a:lnRef>
+          <a:fillRef idx="3">
+            <a:schemeClr val="accent1"/>
+          </a:fillRef>
+          <a:effectRef idx="2">
+            <a:schemeClr val="accent1"/>
+          </a:effectRef>
+          <a:fontRef idx="minor">
+            <a:schemeClr val="lt1"/>
+          </a:fontRef>
+        </p:style>
+        <p:txBody>
+          <a:bodyPr rtlCol="0" anchor="ctr"/>
+          <a:lstStyle/>
+          <a:p>
+            <a:pPr algn="ctr"/>
+            <a:endParaRPr lang="en-US"/>
+          </a:p>
+        </p:txBody>
+      </p:sp>
+      <p:sp>
+        <p:nvSpPr>
+          <p:cNvPr id="95" name="Down Arrow 94"/>
+          <p:cNvSpPr/>
+          <p:nvPr/>
+        </p:nvSpPr>
+        <p:spPr>
+          <a:xfrm>
+            <a:off x="2446594" y="5089915"/>
+            <a:ext cx="143320" cy="284526"/>
+          </a:xfrm>
+          <a:prstGeom prst="downArrow">
+            <a:avLst/>
+          </a:prstGeom>
+        </p:spPr>
+        <p:style>
+          <a:lnRef idx="1">
+            <a:schemeClr val="accent1"/>
+          </a:lnRef>
+          <a:fillRef idx="3">
+            <a:schemeClr val="accent1"/>
+          </a:fillRef>
+          <a:effectRef idx="2">
+            <a:schemeClr val="accent1"/>
+          </a:effectRef>
+          <a:fontRef idx="minor">
+            <a:schemeClr val="lt1"/>
+          </a:fontRef>
+        </p:style>
+        <p:txBody>
+          <a:bodyPr rtlCol="0" anchor="ctr"/>
+          <a:lstStyle/>
+          <a:p>
+            <a:pPr algn="ctr"/>
+            <a:endParaRPr lang="en-US"/>
+          </a:p>
+        </p:txBody>
+      </p:sp>
+      <p:sp>
+        <p:nvSpPr>
+          <p:cNvPr id="106" name="TextBox 105"/>
+          <p:cNvSpPr txBox="1"/>
+          <p:nvPr/>
+        </p:nvSpPr>
+        <p:spPr>
+          <a:xfrm>
+            <a:off x="4967841" y="221721"/>
+            <a:ext cx="653157" cy="400110"/>
+          </a:xfrm>
+          <a:prstGeom prst="rect">
+            <a:avLst/>
+          </a:prstGeom>
+          <a:ln/>
+        </p:spPr>
+        <p:style>
+          <a:lnRef idx="1">
+            <a:schemeClr val="accent2"/>
+          </a:lnRef>
+          <a:fillRef idx="3">
+            <a:schemeClr val="accent2"/>
+          </a:fillRef>
+          <a:effectRef idx="2">
+            <a:schemeClr val="accent2"/>
+          </a:effectRef>
+          <a:fontRef idx="minor">
+            <a:schemeClr val="lt1"/>
+          </a:fontRef>
+        </p:style>
+        <p:txBody>
+          <a:bodyPr wrap="square" rtlCol="0">
+            <a:spAutoFit/>
+          </a:bodyPr>
+          <a:lstStyle/>
+          <a:p>
+            <a:r>
+              <a:rPr lang="en-US" sz="1000" dirty="0" err="1" smtClean="0">
+                <a:latin typeface="Times"/>
+                <a:cs typeface="Times"/>
+              </a:rPr>
+              <a:t>dev</a:t>
+            </a:r>
+            <a:r>
+              <a:rPr lang="en-US" sz="1000" dirty="0">
+                <a:latin typeface="Times"/>
+                <a:cs typeface="Times"/>
+              </a:rPr>
+              <a:t> </a:t>
+            </a:r>
+            <a:r>
+              <a:rPr lang="en-US" sz="1000" dirty="0" smtClean="0">
+                <a:latin typeface="Times"/>
+                <a:cs typeface="Times"/>
+              </a:rPr>
+              <a:t>and backup</a:t>
+            </a:r>
+            <a:endParaRPr lang="en-US" sz="1000" dirty="0">
+              <a:latin typeface="Times"/>
+              <a:cs typeface="Times"/>
+            </a:endParaRPr>
+          </a:p>
+        </p:txBody>
+      </p:sp>
+      <p:cxnSp>
+        <p:nvCxnSpPr>
+          <p:cNvPr id="108" name="Straight Arrow Connector 107"/>
+          <p:cNvCxnSpPr>
+            <a:stCxn id="4" idx="3"/>
+            <a:endCxn id="21" idx="1"/>
+          </p:cNvCxnSpPr>
+          <p:nvPr/>
+        </p:nvCxnSpPr>
+        <p:spPr>
+          <a:xfrm>
+            <a:off x="4915201" y="661762"/>
+            <a:ext cx="748439" cy="0"/>
+          </a:xfrm>
+          <a:prstGeom prst="straightConnector1">
+            <a:avLst/>
+          </a:prstGeom>
+          <a:ln>
+            <a:tailEnd type="arrow"/>
+          </a:ln>
+        </p:spPr>
+        <p:style>
+          <a:lnRef idx="2">
+            <a:schemeClr val="accent1"/>
+          </a:lnRef>
+          <a:fillRef idx="0">
+            <a:schemeClr val="accent1"/>
+          </a:fillRef>
+          <a:effectRef idx="1">
+            <a:schemeClr val="accent1"/>
+          </a:effectRef>
+          <a:fontRef idx="minor">
+            <a:schemeClr val="tx1"/>
+          </a:fontRef>
+        </p:style>
+      </p:cxnSp>
+      <p:pic>
+        <p:nvPicPr>
+          <p:cNvPr id="2" name="Picture 1" descr="pentaho.JPG"/>
+          <p:cNvPicPr>
+            <a:picLocks noChangeAspect="1"/>
+          </p:cNvPicPr>
+          <p:nvPr/>
+        </p:nvPicPr>
+        <p:blipFill>
+          <a:blip r:embed="rId9">
+            <a:extLst>
+              <a:ext uri="{28A0092B-C50C-407E-A947-70E740481C1C}">
+                <a14:useLocalDpi xmlns:a14="http://schemas.microsoft.com/office/drawing/2010/main" val="0"/>
+              </a:ext>
+            </a:extLst>
+          </a:blip>
+          <a:stretch>
+            <a:fillRect/>
+          </a:stretch>
+        </p:blipFill>
+        <p:spPr>
+          <a:xfrm>
+            <a:off x="1718909" y="5648883"/>
+            <a:ext cx="1855406" cy="590548"/>
+          </a:xfrm>
+          <a:prstGeom prst="rect">
+            <a:avLst/>
+          </a:prstGeom>
+        </p:spPr>
+      </p:pic>
+    </p:spTree>
+    <p:extLst>
+      <p:ext uri="{BB962C8B-B14F-4D97-AF65-F5344CB8AC3E}">
+        <p14:creationId xmlns:p14="http://schemas.microsoft.com/office/powerpoint/2010/main" val="3420227096"/>
       </p:ext>
     </p:extLst>
   </p:cSld>
